--- a/LANDSLIDE ANALYSIS AND DETECTION- BRAIN BUDS FINAL.pptx
+++ b/LANDSLIDE ANALYSIS AND DETECTION- BRAIN BUDS FINAL.pptx
@@ -268,8 +268,11 @@
     </a:lvl9pPr>
   </p:defaultTextStyle>
   <p:extLst>
+    <p:ext uri="{EFAFB233-063F-42B5-8137-9DF3F51BA10A}">
+      <p15:sldGuideLst xmlns:p15="http://schemas.microsoft.com/office/powerpoint/2012/main"/>
+    </p:ext>
     <p:ext uri="http://customooxmlschemas.google.com/">
-      <go:slidesCustomData xmlns:go="http://customooxmlschemas.google.com/" xmlns:ahyp="http://schemas.microsoft.com/office/drawing/2018/hyperlinkcolor" xmlns:p15="http://schemas.microsoft.com/office/powerpoint/2012/main" xmlns:p14="http://schemas.microsoft.com/office/powerpoint/2010/main" xmlns:com="http://schemas.openxmlformats.org/drawingml/2006/compatibility" xmlns:pvml="urn:schemas-microsoft-com:office:powerpoint" xmlns:v="urn:schemas-microsoft-com:vml" xmlns:o="urn:schemas-microsoft-com:office:office" xmlns:dgm="http://schemas.openxmlformats.org/drawingml/2006/diagram" xmlns:c="http://schemas.openxmlformats.org/drawingml/2006/chart" xmlns:mv="urn:schemas-microsoft-com:mac:vml" xmlns:mc="http://schemas.openxmlformats.org/markup-compatibility/2006" xmlns="" r:id="rId32" roundtripDataSignature="AMtx7mhWb5FjE3oihaJVkQ+Xtu4YGE553g=="/>
+      <go:slidesCustomData xmlns="" xmlns:mc="http://schemas.openxmlformats.org/markup-compatibility/2006" xmlns:mv="urn:schemas-microsoft-com:mac:vml" xmlns:c="http://schemas.openxmlformats.org/drawingml/2006/chart" xmlns:dgm="http://schemas.openxmlformats.org/drawingml/2006/diagram" xmlns:o="urn:schemas-microsoft-com:office:office" xmlns:v="urn:schemas-microsoft-com:vml" xmlns:pvml="urn:schemas-microsoft-com:office:powerpoint" xmlns:com="http://schemas.openxmlformats.org/drawingml/2006/compatibility" xmlns:p14="http://schemas.microsoft.com/office/powerpoint/2010/main" xmlns:p15="http://schemas.microsoft.com/office/powerpoint/2012/main" xmlns:ahyp="http://schemas.microsoft.com/office/drawing/2018/hyperlinkcolor" xmlns:go="http://customooxmlschemas.google.com/" r:id="rId32" roundtripDataSignature="AMtx7mhWb5FjE3oihaJVkQ+Xtu4YGE553g=="/>
     </p:ext>
   </p:extLst>
 </p:presentation>
@@ -19402,19 +19405,7 @@
                 <a:cs typeface="Trebuchet MS"/>
                 <a:sym typeface="Trebuchet MS"/>
               </a:rPr>
-              <a:t>Team : Brain </a:t>
-            </a:r>
-            <a:r>
-              <a:rPr lang="en-US" sz="4000" b="1" dirty="0" smtClean="0">
-                <a:solidFill>
-                  <a:srgbClr val="002060"/>
-                </a:solidFill>
-                <a:latin typeface="Trebuchet MS"/>
-                <a:ea typeface="Trebuchet MS"/>
-                <a:cs typeface="Trebuchet MS"/>
-                <a:sym typeface="Trebuchet MS"/>
-              </a:rPr>
-              <a:t>Buds, NEPAL</a:t>
+              <a:t>Team : Brain Buds, NEPAL</a:t>
             </a:r>
             <a:endParaRPr sz="4000" b="1" dirty="0">
               <a:solidFill>
@@ -19433,13 +19424,6 @@
   <p:clrMapOvr>
     <a:masterClrMapping/>
   </p:clrMapOvr>
-  <p:timing>
-    <p:tnLst>
-      <p:par>
-        <p:cTn id="1" dur="indefinite" restart="never" nodeType="tmRoot"/>
-      </p:par>
-    </p:tnLst>
-  </p:timing>
 </p:sld>
 </file>
 
@@ -19731,13 +19715,6 @@
   <p:clrMapOvr>
     <a:masterClrMapping/>
   </p:clrMapOvr>
-  <p:timing>
-    <p:tnLst>
-      <p:par>
-        <p:cTn id="1" dur="indefinite" restart="never" nodeType="tmRoot"/>
-      </p:par>
-    </p:tnLst>
-  </p:timing>
 </p:sld>
 </file>
 
@@ -20049,13 +20026,6 @@
   <p:clrMapOvr>
     <a:masterClrMapping/>
   </p:clrMapOvr>
-  <p:timing>
-    <p:tnLst>
-      <p:par>
-        <p:cTn id="1" dur="indefinite" restart="never" nodeType="tmRoot"/>
-      </p:par>
-    </p:tnLst>
-  </p:timing>
 </p:sld>
 </file>
 
@@ -20451,13 +20421,6 @@
   <p:clrMapOvr>
     <a:masterClrMapping/>
   </p:clrMapOvr>
-  <p:timing>
-    <p:tnLst>
-      <p:par>
-        <p:cTn id="1" dur="indefinite" restart="never" nodeType="tmRoot"/>
-      </p:par>
-    </p:tnLst>
-  </p:timing>
 </p:sld>
 </file>
 
@@ -20966,13 +20929,6 @@
   <p:clrMapOvr>
     <a:masterClrMapping/>
   </p:clrMapOvr>
-  <p:timing>
-    <p:tnLst>
-      <p:par>
-        <p:cTn id="1" dur="indefinite" restart="never" nodeType="tmRoot"/>
-      </p:par>
-    </p:tnLst>
-  </p:timing>
 </p:sld>
 </file>
 
@@ -21237,13 +21193,6 @@
   <p:clrMapOvr>
     <a:masterClrMapping/>
   </p:clrMapOvr>
-  <p:timing>
-    <p:tnLst>
-      <p:par>
-        <p:cTn id="1" dur="indefinite" restart="never" nodeType="tmRoot"/>
-      </p:par>
-    </p:tnLst>
-  </p:timing>
 </p:sld>
 </file>
 
@@ -21496,13 +21445,6 @@
   <p:clrMapOvr>
     <a:masterClrMapping/>
   </p:clrMapOvr>
-  <p:timing>
-    <p:tnLst>
-      <p:par>
-        <p:cTn id="1" dur="indefinite" restart="never" nodeType="tmRoot"/>
-      </p:par>
-    </p:tnLst>
-  </p:timing>
 </p:sld>
 </file>
 
@@ -21755,13 +21697,6 @@
   <p:clrMapOvr>
     <a:masterClrMapping/>
   </p:clrMapOvr>
-  <p:timing>
-    <p:tnLst>
-      <p:par>
-        <p:cTn id="1" dur="indefinite" restart="never" nodeType="tmRoot"/>
-      </p:par>
-    </p:tnLst>
-  </p:timing>
 </p:sld>
 </file>
 
@@ -22014,13 +21949,6 @@
   <p:clrMapOvr>
     <a:masterClrMapping/>
   </p:clrMapOvr>
-  <p:timing>
-    <p:tnLst>
-      <p:par>
-        <p:cTn id="1" dur="indefinite" restart="never" nodeType="tmRoot"/>
-      </p:par>
-    </p:tnLst>
-  </p:timing>
 </p:sld>
 </file>
 
@@ -22215,13 +22143,6 @@
   <p:clrMapOvr>
     <a:masterClrMapping/>
   </p:clrMapOvr>
-  <p:timing>
-    <p:tnLst>
-      <p:par>
-        <p:cTn id="1" dur="indefinite" restart="never" nodeType="tmRoot"/>
-      </p:par>
-    </p:tnLst>
-  </p:timing>
 </p:sld>
 </file>
 
@@ -22423,19 +22344,7 @@
                 <a:cs typeface="Calibri"/>
                 <a:sym typeface="Calibri"/>
               </a:rPr>
-              <a:t> have high landslide risk </a:t>
-            </a:r>
-            <a:r>
-              <a:rPr lang="en-US" sz="2400" dirty="0" smtClean="0">
-                <a:solidFill>
-                  <a:srgbClr val="141718"/>
-                </a:solidFill>
-                <a:latin typeface="Calibri"/>
-                <a:ea typeface="Calibri"/>
-                <a:cs typeface="Calibri"/>
-                <a:sym typeface="Calibri"/>
-              </a:rPr>
-              <a:t>.</a:t>
+              <a:t> have high landslide risk .</a:t>
             </a:r>
             <a:endParaRPr dirty="0"/>
           </a:p>
@@ -22873,13 +22782,6 @@
   <p:clrMapOvr>
     <a:masterClrMapping/>
   </p:clrMapOvr>
-  <p:timing>
-    <p:tnLst>
-      <p:par>
-        <p:cTn id="1" dur="indefinite" restart="never" nodeType="tmRoot"/>
-      </p:par>
-    </p:tnLst>
-  </p:timing>
 </p:sld>
 </file>
 
@@ -22905,7 +22807,7 @@
           <p:cNvPr id="11" name="Picture 10">
             <a:extLst>
               <a:ext uri="{FF2B5EF4-FFF2-40B4-BE49-F238E27FC236}">
-                <a16:creationId xmlns:a16="http://schemas.microsoft.com/office/drawing/2014/main" xmlns="" id="{85A46C0A-48B3-44E7-B7A8-25B0F309E758}"/>
+                <a16:creationId xmlns:a16="http://schemas.microsoft.com/office/drawing/2014/main" id="{85A46C0A-48B3-44E7-B7A8-25B0F309E758}"/>
               </a:ext>
             </a:extLst>
           </p:cNvPr>
@@ -22941,7 +22843,7 @@
           <p:cNvPr id="14" name="Group 13">
             <a:extLst>
               <a:ext uri="{FF2B5EF4-FFF2-40B4-BE49-F238E27FC236}">
-                <a16:creationId xmlns:a16="http://schemas.microsoft.com/office/drawing/2014/main" xmlns="" id="{47767B9C-CEE0-433A-A24E-BF7CC83DE51D}"/>
+                <a16:creationId xmlns:a16="http://schemas.microsoft.com/office/drawing/2014/main" id="{47767B9C-CEE0-433A-A24E-BF7CC83DE51D}"/>
               </a:ext>
             </a:extLst>
           </p:cNvPr>
@@ -22961,7 +22863,7 @@
             <p:cNvPr id="5" name="Picture 4">
               <a:extLst>
                 <a:ext uri="{FF2B5EF4-FFF2-40B4-BE49-F238E27FC236}">
-                  <a16:creationId xmlns:a16="http://schemas.microsoft.com/office/drawing/2014/main" xmlns="" id="{DC58B38B-8645-42E8-B64A-F81F552D32B6}"/>
+                  <a16:creationId xmlns:a16="http://schemas.microsoft.com/office/drawing/2014/main" id="{DC58B38B-8645-42E8-B64A-F81F552D32B6}"/>
                 </a:ext>
               </a:extLst>
             </p:cNvPr>
@@ -23003,7 +22905,7 @@
             <p:cNvPr id="7" name="Picture 6">
               <a:extLst>
                 <a:ext uri="{FF2B5EF4-FFF2-40B4-BE49-F238E27FC236}">
-                  <a16:creationId xmlns:a16="http://schemas.microsoft.com/office/drawing/2014/main" xmlns="" id="{4CF48BEA-D0A6-4FD1-83B4-67021FAA5C30}"/>
+                  <a16:creationId xmlns:a16="http://schemas.microsoft.com/office/drawing/2014/main" id="{4CF48BEA-D0A6-4FD1-83B4-67021FAA5C30}"/>
                 </a:ext>
               </a:extLst>
             </p:cNvPr>
@@ -23045,7 +22947,7 @@
             <p:cNvPr id="9" name="TextBox 8">
               <a:extLst>
                 <a:ext uri="{FF2B5EF4-FFF2-40B4-BE49-F238E27FC236}">
-                  <a16:creationId xmlns:a16="http://schemas.microsoft.com/office/drawing/2014/main" xmlns="" id="{1141871D-323D-4AA3-8834-92DA729274E5}"/>
+                  <a16:creationId xmlns:a16="http://schemas.microsoft.com/office/drawing/2014/main" id="{1141871D-323D-4AA3-8834-92DA729274E5}"/>
                 </a:ext>
               </a:extLst>
             </p:cNvPr>
@@ -23096,7 +22998,7 @@
             <p:cNvPr id="13" name="TextBox 12">
               <a:extLst>
                 <a:ext uri="{FF2B5EF4-FFF2-40B4-BE49-F238E27FC236}">
-                  <a16:creationId xmlns:a16="http://schemas.microsoft.com/office/drawing/2014/main" xmlns="" id="{F03BA0DD-C481-429E-A2E1-DA376EB227EE}"/>
+                  <a16:creationId xmlns:a16="http://schemas.microsoft.com/office/drawing/2014/main" id="{F03BA0DD-C481-429E-A2E1-DA376EB227EE}"/>
                 </a:ext>
               </a:extLst>
             </p:cNvPr>
@@ -23137,7 +23039,7 @@
             <p:cNvPr id="17" name="Picture 16">
               <a:extLst>
                 <a:ext uri="{FF2B5EF4-FFF2-40B4-BE49-F238E27FC236}">
-                  <a16:creationId xmlns:a16="http://schemas.microsoft.com/office/drawing/2014/main" xmlns="" id="{0845214B-4CA4-4171-9DFE-3B0A815523A0}"/>
+                  <a16:creationId xmlns:a16="http://schemas.microsoft.com/office/drawing/2014/main" id="{0845214B-4CA4-4171-9DFE-3B0A815523A0}"/>
                 </a:ext>
               </a:extLst>
             </p:cNvPr>
@@ -23179,7 +23081,7 @@
             <p:cNvPr id="19" name="TextBox 18">
               <a:extLst>
                 <a:ext uri="{FF2B5EF4-FFF2-40B4-BE49-F238E27FC236}">
-                  <a16:creationId xmlns:a16="http://schemas.microsoft.com/office/drawing/2014/main" xmlns="" id="{421F1444-DF7F-4239-8585-1AF8A32F1CC4}"/>
+                  <a16:creationId xmlns:a16="http://schemas.microsoft.com/office/drawing/2014/main" id="{421F1444-DF7F-4239-8585-1AF8A32F1CC4}"/>
                 </a:ext>
               </a:extLst>
             </p:cNvPr>
@@ -23220,7 +23122,7 @@
             <p:cNvPr id="3" name="Picture 2">
               <a:extLst>
                 <a:ext uri="{FF2B5EF4-FFF2-40B4-BE49-F238E27FC236}">
-                  <a16:creationId xmlns:a16="http://schemas.microsoft.com/office/drawing/2014/main" xmlns="" id="{5E225575-31C9-421F-8030-FE0FBC3D9C40}"/>
+                  <a16:creationId xmlns:a16="http://schemas.microsoft.com/office/drawing/2014/main" id="{5E225575-31C9-421F-8030-FE0FBC3D9C40}"/>
                 </a:ext>
               </a:extLst>
             </p:cNvPr>
@@ -23262,7 +23164,7 @@
             <p:cNvPr id="4" name="TextBox 3">
               <a:extLst>
                 <a:ext uri="{FF2B5EF4-FFF2-40B4-BE49-F238E27FC236}">
-                  <a16:creationId xmlns:a16="http://schemas.microsoft.com/office/drawing/2014/main" xmlns="" id="{880B2A86-A4E0-46C9-BCDB-47E561271474}"/>
+                  <a16:creationId xmlns:a16="http://schemas.microsoft.com/office/drawing/2014/main" id="{880B2A86-A4E0-46C9-BCDB-47E561271474}"/>
                 </a:ext>
               </a:extLst>
             </p:cNvPr>
@@ -23303,7 +23205,7 @@
             <p:cNvPr id="8" name="Picture 7">
               <a:extLst>
                 <a:ext uri="{FF2B5EF4-FFF2-40B4-BE49-F238E27FC236}">
-                  <a16:creationId xmlns:a16="http://schemas.microsoft.com/office/drawing/2014/main" xmlns="" id="{09E246D0-DD5B-425E-A315-39369E926B49}"/>
+                  <a16:creationId xmlns:a16="http://schemas.microsoft.com/office/drawing/2014/main" id="{09E246D0-DD5B-425E-A315-39369E926B49}"/>
                 </a:ext>
               </a:extLst>
             </p:cNvPr>
@@ -23345,7 +23247,7 @@
             <p:cNvPr id="10" name="TextBox 9">
               <a:extLst>
                 <a:ext uri="{FF2B5EF4-FFF2-40B4-BE49-F238E27FC236}">
-                  <a16:creationId xmlns:a16="http://schemas.microsoft.com/office/drawing/2014/main" xmlns="" id="{81406D64-C88E-4EF6-8B23-FEA4588033B8}"/>
+                  <a16:creationId xmlns:a16="http://schemas.microsoft.com/office/drawing/2014/main" id="{81406D64-C88E-4EF6-8B23-FEA4588033B8}"/>
                 </a:ext>
               </a:extLst>
             </p:cNvPr>
@@ -23561,13 +23463,6 @@
   <p:clrMapOvr>
     <a:masterClrMapping/>
   </p:clrMapOvr>
-  <p:timing>
-    <p:tnLst>
-      <p:par>
-        <p:cTn id="1" dur="indefinite" restart="never" nodeType="tmRoot"/>
-      </p:par>
-    </p:tnLst>
-  </p:timing>
 </p:sld>
 </file>
 
@@ -24161,13 +24056,6 @@
   <p:clrMapOvr>
     <a:masterClrMapping/>
   </p:clrMapOvr>
-  <p:timing>
-    <p:tnLst>
-      <p:par>
-        <p:cTn id="1" dur="indefinite" restart="never" nodeType="tmRoot"/>
-      </p:par>
-    </p:tnLst>
-  </p:timing>
 </p:sld>
 </file>
 
@@ -24420,13 +24308,6 @@
   <p:clrMapOvr>
     <a:masterClrMapping/>
   </p:clrMapOvr>
-  <p:timing>
-    <p:tnLst>
-      <p:par>
-        <p:cTn id="1" dur="indefinite" restart="never" nodeType="tmRoot"/>
-      </p:par>
-    </p:tnLst>
-  </p:timing>
 </p:sld>
 </file>
 
@@ -24679,13 +24560,6 @@
   <p:clrMapOvr>
     <a:masterClrMapping/>
   </p:clrMapOvr>
-  <p:timing>
-    <p:tnLst>
-      <p:par>
-        <p:cTn id="1" dur="indefinite" restart="never" nodeType="tmRoot"/>
-      </p:par>
-    </p:tnLst>
-  </p:timing>
 </p:sld>
 </file>
 
@@ -24880,13 +24754,6 @@
   <p:clrMapOvr>
     <a:masterClrMapping/>
   </p:clrMapOvr>
-  <p:timing>
-    <p:tnLst>
-      <p:par>
-        <p:cTn id="1" dur="indefinite" restart="never" nodeType="tmRoot"/>
-      </p:par>
-    </p:tnLst>
-  </p:timing>
 </p:sld>
 </file>
 
@@ -25338,13 +25205,6 @@
   <p:clrMapOvr>
     <a:masterClrMapping/>
   </p:clrMapOvr>
-  <p:timing>
-    <p:tnLst>
-      <p:par>
-        <p:cTn id="1" dur="indefinite" restart="never" nodeType="tmRoot"/>
-      </p:par>
-    </p:tnLst>
-  </p:timing>
 </p:sld>
 </file>
 
@@ -25541,7 +25401,7 @@
               <a:buSzPts val="2400"/>
             </a:pPr>
             <a:r>
-              <a:rPr lang="en-US" sz="2400" dirty="0" smtClean="0">
+              <a:rPr lang="en-US" sz="2400" dirty="0">
                 <a:solidFill>
                   <a:srgbClr val="141718"/>
                 </a:solidFill>
@@ -25550,19 +25410,7 @@
                 <a:cs typeface="Trebuchet MS"/>
                 <a:sym typeface="Trebuchet MS"/>
               </a:rPr>
-              <a:t>2. We </a:t>
-            </a:r>
-            <a:r>
-              <a:rPr lang="en-US" sz="2400" dirty="0">
-                <a:solidFill>
-                  <a:srgbClr val="141718"/>
-                </a:solidFill>
-                <a:latin typeface="Trebuchet MS"/>
-                <a:ea typeface="Trebuchet MS"/>
-                <a:cs typeface="Trebuchet MS"/>
-                <a:sym typeface="Trebuchet MS"/>
-              </a:rPr>
-              <a:t>can use the image datasets of these areas which we have analyzed here, and attain better results.</a:t>
+              <a:t>2. We can use the image datasets of these areas which we have analyzed here, and attain better results.</a:t>
             </a:r>
             <a:endParaRPr dirty="0"/>
           </a:p>
@@ -25603,7 +25451,7 @@
               <a:buSzPts val="2400"/>
             </a:pPr>
             <a:r>
-              <a:rPr lang="en-US" sz="2400" dirty="0" smtClean="0">
+              <a:rPr lang="en-US" sz="2400" dirty="0">
                 <a:solidFill>
                   <a:srgbClr val="141718"/>
                 </a:solidFill>
@@ -25612,43 +25460,7 @@
                 <a:cs typeface="Trebuchet MS"/>
                 <a:sym typeface="Trebuchet MS"/>
               </a:rPr>
-              <a:t>3. The </a:t>
-            </a:r>
-            <a:r>
-              <a:rPr lang="en-US" sz="2400" dirty="0">
-                <a:solidFill>
-                  <a:srgbClr val="141718"/>
-                </a:solidFill>
-                <a:latin typeface="Trebuchet MS"/>
-                <a:ea typeface="Trebuchet MS"/>
-                <a:cs typeface="Trebuchet MS"/>
-                <a:sym typeface="Trebuchet MS"/>
-              </a:rPr>
-              <a:t>weather information could be integrated for the better </a:t>
-            </a:r>
-            <a:r>
-              <a:rPr lang="en-US" sz="2400" dirty="0" smtClean="0">
-                <a:solidFill>
-                  <a:srgbClr val="141718"/>
-                </a:solidFill>
-                <a:latin typeface="Trebuchet MS"/>
-                <a:ea typeface="Trebuchet MS"/>
-                <a:cs typeface="Trebuchet MS"/>
-                <a:sym typeface="Trebuchet MS"/>
-              </a:rPr>
-              <a:t> model </a:t>
-            </a:r>
-            <a:r>
-              <a:rPr lang="en-US" sz="2400" dirty="0">
-                <a:solidFill>
-                  <a:srgbClr val="141718"/>
-                </a:solidFill>
-                <a:latin typeface="Trebuchet MS"/>
-                <a:ea typeface="Trebuchet MS"/>
-                <a:cs typeface="Trebuchet MS"/>
-                <a:sym typeface="Trebuchet MS"/>
-              </a:rPr>
-              <a:t>development resulting better model accuracy.</a:t>
+              <a:t>3. The weather information could be integrated for the better  model development resulting better model accuracy.</a:t>
             </a:r>
             <a:endParaRPr dirty="0"/>
           </a:p>
@@ -25691,7 +25503,7 @@
               <a:buSzPts val="2400"/>
             </a:pPr>
             <a:r>
-              <a:rPr lang="en-US" sz="2400" dirty="0" smtClean="0">
+              <a:rPr lang="en-US" sz="2400" dirty="0">
                 <a:solidFill>
                   <a:srgbClr val="141718"/>
                 </a:solidFill>
@@ -25700,19 +25512,7 @@
                 <a:cs typeface="Trebuchet MS"/>
                 <a:sym typeface="Trebuchet MS"/>
               </a:rPr>
-              <a:t>4. The </a:t>
-            </a:r>
-            <a:r>
-              <a:rPr lang="en-US" sz="2400" dirty="0">
-                <a:solidFill>
-                  <a:srgbClr val="141718"/>
-                </a:solidFill>
-                <a:latin typeface="Trebuchet MS"/>
-                <a:ea typeface="Trebuchet MS"/>
-                <a:cs typeface="Trebuchet MS"/>
-                <a:sym typeface="Trebuchet MS"/>
-              </a:rPr>
-              <a:t>geographical topology and climate data can be more helpful to enhance the project. </a:t>
+              <a:t>4. The geographical topology and climate data can be more helpful to enhance the project. </a:t>
             </a:r>
             <a:endParaRPr sz="2400" dirty="0">
               <a:solidFill>
@@ -25731,13 +25531,6 @@
   <p:clrMapOvr>
     <a:masterClrMapping/>
   </p:clrMapOvr>
-  <p:timing>
-    <p:tnLst>
-      <p:par>
-        <p:cTn id="1" dur="indefinite" restart="never" nodeType="tmRoot"/>
-      </p:par>
-    </p:tnLst>
-  </p:timing>
 </p:sld>
 </file>
 
@@ -25793,7 +25586,7 @@
               <a:buNone/>
             </a:pPr>
             <a:r>
-              <a:rPr lang="en-US" sz="4400" b="1" dirty="0" smtClean="0">
+              <a:rPr lang="en-US" sz="4400" b="1" dirty="0">
                 <a:solidFill>
                   <a:schemeClr val="dk1"/>
                 </a:solidFill>
@@ -25851,7 +25644,7 @@
         <p:spPr>
           <a:xfrm>
             <a:off x="158842" y="1213525"/>
-            <a:ext cx="11671210" cy="4708981"/>
+            <a:ext cx="11671210" cy="5139869"/>
           </a:xfrm>
           <a:prstGeom prst="rect">
             <a:avLst/>
@@ -25865,7 +25658,7 @@
           <a:lstStyle/>
           <a:p>
             <a:r>
-              <a:rPr lang="en-US" sz="2800" b="1" dirty="0" err="1" smtClean="0">
+              <a:rPr lang="en-US" sz="2800" b="1" dirty="0" err="1">
                 <a:solidFill>
                   <a:srgbClr val="0070C0"/>
                 </a:solidFill>
@@ -25873,14 +25666,14 @@
               <a:t>Github</a:t>
             </a:r>
             <a:r>
-              <a:rPr lang="en-US" sz="2800" b="1" dirty="0" smtClean="0">
+              <a:rPr lang="en-US" sz="2800" b="1" dirty="0">
                 <a:solidFill>
                   <a:srgbClr val="0070C0"/>
                 </a:solidFill>
               </a:rPr>
               <a:t>:</a:t>
             </a:r>
-            <a:endParaRPr lang="en-US" sz="2800" b="1" dirty="0" smtClean="0">
+            <a:endParaRPr lang="en-US" sz="2800" b="1" dirty="0">
               <a:solidFill>
                 <a:schemeClr val="tx2">
                   <a:lumMod val="25000"/>
@@ -25902,22 +25695,15 @@
             <a:r>
               <a:rPr lang="en-US" sz="2800" b="1" dirty="0">
                 <a:solidFill>
-                  <a:srgbClr val="002060"/>
+                  <a:schemeClr val="tx2">
+                    <a:lumMod val="25000"/>
+                  </a:schemeClr>
                 </a:solidFill>
                 <a:hlinkClick r:id="rId3"/>
               </a:rPr>
-              <a:t>https://</a:t>
+              <a:t>https://github.com/Smriti123-Tiwari/NASA-APP-CHALLENGE-2020</a:t>
             </a:r>
-            <a:r>
-              <a:rPr lang="en-US" sz="2800" b="1" dirty="0" smtClean="0">
-                <a:solidFill>
-                  <a:srgbClr val="002060"/>
-                </a:solidFill>
-                <a:hlinkClick r:id="rId3"/>
-              </a:rPr>
-              <a:t>github.com/rajanstha7/NASA-CHALLENGE</a:t>
-            </a:r>
-            <a:endParaRPr lang="en-US" sz="2800" b="1" dirty="0" smtClean="0">
+            <a:endParaRPr lang="en-US" sz="2800" b="1" dirty="0">
               <a:solidFill>
                 <a:srgbClr val="002060"/>
               </a:solidFill>
@@ -25932,7 +25718,7 @@
           </a:p>
           <a:p>
             <a:r>
-              <a:rPr lang="en-US" sz="2800" b="1" dirty="0" smtClean="0">
+              <a:rPr lang="en-US" sz="2800" b="1" dirty="0">
                 <a:solidFill>
                   <a:srgbClr val="0070C0"/>
                 </a:solidFill>
@@ -25942,7 +25728,7 @@
           </a:p>
           <a:p>
             <a:r>
-              <a:rPr lang="en-US" sz="2000" b="1" dirty="0" smtClean="0">
+              <a:rPr lang="en-US" sz="2000" b="1" dirty="0">
                 <a:solidFill>
                   <a:schemeClr val="tx2">
                     <a:lumMod val="10000"/>
@@ -25950,31 +25736,9 @@
                 </a:solidFill>
                 <a:hlinkClick r:id="rId4"/>
               </a:rPr>
-              <a:t>https</a:t>
+              <a:t>https://drive.google.com/drive/folders/1RN6Db-cdMttpFNF20GKzCvC_9xF81se5?usp=sharing</a:t>
             </a:r>
-            <a:r>
-              <a:rPr lang="en-US" sz="2000" b="1" dirty="0">
-                <a:solidFill>
-                  <a:schemeClr val="tx2">
-                    <a:lumMod val="10000"/>
-                  </a:schemeClr>
-                </a:solidFill>
-                <a:hlinkClick r:id="rId4"/>
-              </a:rPr>
-              <a:t>://</a:t>
-            </a:r>
-            <a:r>
-              <a:rPr lang="en-US" sz="2000" b="1" dirty="0" smtClean="0">
-                <a:solidFill>
-                  <a:schemeClr val="tx2">
-                    <a:lumMod val="10000"/>
-                  </a:schemeClr>
-                </a:solidFill>
-                <a:hlinkClick r:id="rId4"/>
-              </a:rPr>
-              <a:t>drive.google.com/drive/folders/1RN6Db-cdMttpFNF20GKzCvC_9xF81se5?usp=sharing</a:t>
-            </a:r>
-            <a:endParaRPr lang="en-US" sz="2000" b="1" dirty="0" smtClean="0">
+            <a:endParaRPr lang="en-US" sz="2000" b="1" dirty="0">
               <a:solidFill>
                 <a:schemeClr val="tx2">
                   <a:lumMod val="10000"/>
@@ -25993,7 +25757,7 @@
           </a:p>
           <a:p>
             <a:r>
-              <a:rPr lang="en-US" sz="2800" b="1" dirty="0" smtClean="0">
+              <a:rPr lang="en-US" sz="2800" b="1" dirty="0">
                 <a:solidFill>
                   <a:srgbClr val="0070C0"/>
                 </a:solidFill>
@@ -26003,15 +25767,15 @@
           </a:p>
           <a:p>
             <a:r>
-              <a:rPr lang="en-US" sz="2800" u="sng" dirty="0" smtClean="0">
+              <a:rPr lang="en-US" sz="2800" u="sng" dirty="0">
                 <a:hlinkClick r:id="rId5"/>
               </a:rPr>
               <a:t>https://drive.google.com/drive/folders/1S5XDiWecDe6Vtl8xON146vEeGmPbg8bu?usp=sharing</a:t>
             </a:r>
-            <a:endParaRPr lang="en-US" sz="2800" u="sng" dirty="0" smtClean="0"/>
-          </a:p>
-          <a:p>
-            <a:endParaRPr lang="en-US" sz="2800" u="sng" dirty="0" smtClean="0"/>
+            <a:endParaRPr lang="en-US" sz="2800" u="sng" dirty="0"/>
+          </a:p>
+          <a:p>
+            <a:endParaRPr lang="en-US" sz="2800" u="sng" dirty="0"/>
           </a:p>
           <a:p>
             <a:r>
@@ -26020,38 +25784,28 @@
                   <a:schemeClr val="tx2">
                     <a:lumMod val="10000"/>
                   </a:schemeClr>
+                </a:solidFill>
+              </a:rPr>
+              <a:t>  </a:t>
+            </a:r>
+            <a:r>
+              <a:rPr lang="en-US" sz="2800" b="1" dirty="0" err="1">
+                <a:solidFill>
+                  <a:srgbClr val="0070C0"/>
+                </a:solidFill>
+              </a:rPr>
+              <a:t>Youtube</a:t>
+            </a:r>
+            <a:r>
+              <a:rPr lang="en-US" sz="2800" b="1" dirty="0">
+                <a:solidFill>
+                  <a:srgbClr val="0070C0"/>
                 </a:solidFill>
               </a:rPr>
               <a:t> </a:t>
             </a:r>
             <a:r>
-              <a:rPr lang="en-US" sz="2800" b="1" u="sng" dirty="0" smtClean="0">
-                <a:solidFill>
-                  <a:schemeClr val="tx2">
-                    <a:lumMod val="10000"/>
-                  </a:schemeClr>
-                </a:solidFill>
-              </a:rPr>
-              <a:t> </a:t>
-            </a:r>
-            <a:r>
-              <a:rPr lang="en-US" sz="2800" b="1" dirty="0" err="1" smtClean="0">
-                <a:solidFill>
-                  <a:srgbClr val="0070C0"/>
-                </a:solidFill>
-              </a:rPr>
-              <a:t>Youtube</a:t>
-            </a:r>
-            <a:r>
-              <a:rPr lang="en-US" sz="2800" b="1" dirty="0" smtClean="0">
-                <a:solidFill>
-                  <a:srgbClr val="0070C0"/>
-                </a:solidFill>
-              </a:rPr>
-              <a:t> </a:t>
-            </a:r>
-            <a:r>
-              <a:rPr lang="en-US" sz="2800" b="1" dirty="0" err="1" smtClean="0">
+              <a:rPr lang="en-US" sz="2800" b="1" dirty="0" err="1">
                 <a:solidFill>
                   <a:srgbClr val="0070C0"/>
                 </a:solidFill>
@@ -26059,22 +25813,16 @@
               <a:t>Link:</a:t>
             </a:r>
             <a:r>
-              <a:rPr lang="en-US" sz="2800" dirty="0" err="1" smtClean="0">
+              <a:rPr lang="en-US" sz="2800" dirty="0" err="1">
                 <a:hlinkClick r:id="rId6"/>
               </a:rPr>
               <a:t>https</a:t>
             </a:r>
             <a:r>
-              <a:rPr lang="en-US" sz="2800" dirty="0" smtClean="0">
-                <a:hlinkClick r:id="rId6"/>
-              </a:rPr>
-              <a:t>://</a:t>
-            </a:r>
-            <a:r>
               <a:rPr lang="en-US" sz="2800" dirty="0">
                 <a:hlinkClick r:id="rId6"/>
               </a:rPr>
-              <a:t>youtu.be/OBTuXF6gRFY</a:t>
+              <a:t>://youtu.be/OBTuXF6gRFY</a:t>
             </a:r>
             <a:endParaRPr lang="en-US" sz="2800" b="1" dirty="0">
               <a:solidFill>
@@ -26091,13 +25839,6 @@
   <p:clrMapOvr>
     <a:masterClrMapping/>
   </p:clrMapOvr>
-  <p:timing>
-    <p:tnLst>
-      <p:par>
-        <p:cTn id="1" dur="indefinite" restart="never" nodeType="tmRoot"/>
-      </p:par>
-    </p:tnLst>
-  </p:timing>
 </p:sld>
 </file>
 
@@ -26292,13 +26033,6 @@
   <p:clrMapOvr>
     <a:masterClrMapping/>
   </p:clrMapOvr>
-  <p:timing>
-    <p:tnLst>
-      <p:par>
-        <p:cTn id="1" dur="indefinite" restart="never" nodeType="tmRoot"/>
-      </p:par>
-    </p:tnLst>
-  </p:timing>
 </p:sld>
 </file>
 
@@ -26702,13 +26436,6 @@
   <p:clrMapOvr>
     <a:masterClrMapping/>
   </p:clrMapOvr>
-  <p:timing>
-    <p:tnLst>
-      <p:par>
-        <p:cTn id="1" dur="indefinite" restart="never" nodeType="tmRoot"/>
-      </p:par>
-    </p:tnLst>
-  </p:timing>
 </p:sld>
 </file>
 
@@ -26927,13 +26654,6 @@
   <p:clrMapOvr>
     <a:masterClrMapping/>
   </p:clrMapOvr>
-  <p:timing>
-    <p:tnLst>
-      <p:par>
-        <p:cTn id="1" dur="indefinite" restart="never" nodeType="tmRoot"/>
-      </p:par>
-    </p:tnLst>
-  </p:timing>
 </p:sld>
 </file>
 
@@ -27460,13 +27180,6 @@
   <p:clrMapOvr>
     <a:masterClrMapping/>
   </p:clrMapOvr>
-  <p:timing>
-    <p:tnLst>
-      <p:par>
-        <p:cTn id="1" dur="indefinite" restart="never" nodeType="tmRoot"/>
-      </p:par>
-    </p:tnLst>
-  </p:timing>
 </p:sld>
 </file>
 
@@ -28149,13 +27862,6 @@
   <p:clrMapOvr>
     <a:masterClrMapping/>
   </p:clrMapOvr>
-  <p:timing>
-    <p:tnLst>
-      <p:par>
-        <p:cTn id="1" dur="indefinite" restart="never" nodeType="tmRoot"/>
-      </p:par>
-    </p:tnLst>
-  </p:timing>
 </p:sld>
 </file>
 
@@ -29005,13 +28711,6 @@
   <p:clrMapOvr>
     <a:masterClrMapping/>
   </p:clrMapOvr>
-  <p:timing>
-    <p:tnLst>
-      <p:par>
-        <p:cTn id="1" dur="indefinite" restart="never" nodeType="tmRoot"/>
-      </p:par>
-    </p:tnLst>
-  </p:timing>
 </p:sld>
 </file>
 
@@ -29340,13 +29039,6 @@
   <p:clrMapOvr>
     <a:masterClrMapping/>
   </p:clrMapOvr>
-  <p:timing>
-    <p:tnLst>
-      <p:par>
-        <p:cTn id="1" dur="indefinite" restart="never" nodeType="tmRoot"/>
-      </p:par>
-    </p:tnLst>
-  </p:timing>
 </p:sld>
 </file>
 
@@ -29699,13 +29391,6 @@
   <p:clrMapOvr>
     <a:masterClrMapping/>
   </p:clrMapOvr>
-  <p:timing>
-    <p:tnLst>
-      <p:par>
-        <p:cTn id="1" dur="indefinite" restart="never" nodeType="tmRoot"/>
-      </p:par>
-    </p:tnLst>
-  </p:timing>
 </p:sld>
 </file>
 
